--- a/presentation/DevSecOps Course.pptx
+++ b/presentation/DevSecOps Course.pptx
@@ -13068,7 +13068,7 @@
             <a:pPr algn="l"/>
             <a:r>
               <a:rPr lang="en-US" dirty="0"/>
-              <a:t>Alternate Instructor: CW3 Nick Chadwick Instructor</a:t>
+              <a:t>Alternate Instructor: CW3 Nick Chadwick</a:t>
             </a:r>
           </a:p>
         </p:txBody>
